--- a/设计模式2.pptx
+++ b/设计模式2.pptx
@@ -13,7 +13,8 @@
     <p:sldId id="269" r:id="rId7"/>
     <p:sldId id="270" r:id="rId8"/>
     <p:sldId id="271" r:id="rId9"/>
-    <p:sldId id="266" r:id="rId10"/>
+    <p:sldId id="272" r:id="rId10"/>
+    <p:sldId id="266" r:id="rId11"/>
   </p:sldIdLst>
   <p:sldSz cx="12192000" cy="6858000"/>
   <p:notesSz cx="6858000" cy="9144000"/>
@@ -251,7 +252,7 @@
           <a:p>
             <a:fld id="{06028ED6-4E55-4A54-B87A-A615BAC9E3BC}" type="datetimeFigureOut">
               <a:rPr lang="zh-CN" altLang="en-US" smtClean="0"/>
-              <a:t>2019/2/12</a:t>
+              <a:t>2019/2/14</a:t>
             </a:fld>
             <a:endParaRPr lang="zh-CN" altLang="en-US"/>
           </a:p>
@@ -421,7 +422,7 @@
           <a:p>
             <a:fld id="{06028ED6-4E55-4A54-B87A-A615BAC9E3BC}" type="datetimeFigureOut">
               <a:rPr lang="zh-CN" altLang="en-US" smtClean="0"/>
-              <a:t>2019/2/12</a:t>
+              <a:t>2019/2/14</a:t>
             </a:fld>
             <a:endParaRPr lang="zh-CN" altLang="en-US"/>
           </a:p>
@@ -601,7 +602,7 @@
           <a:p>
             <a:fld id="{06028ED6-4E55-4A54-B87A-A615BAC9E3BC}" type="datetimeFigureOut">
               <a:rPr lang="zh-CN" altLang="en-US" smtClean="0"/>
-              <a:t>2019/2/12</a:t>
+              <a:t>2019/2/14</a:t>
             </a:fld>
             <a:endParaRPr lang="zh-CN" altLang="en-US"/>
           </a:p>
@@ -771,7 +772,7 @@
           <a:p>
             <a:fld id="{06028ED6-4E55-4A54-B87A-A615BAC9E3BC}" type="datetimeFigureOut">
               <a:rPr lang="zh-CN" altLang="en-US" smtClean="0"/>
-              <a:t>2019/2/12</a:t>
+              <a:t>2019/2/14</a:t>
             </a:fld>
             <a:endParaRPr lang="zh-CN" altLang="en-US"/>
           </a:p>
@@ -1017,7 +1018,7 @@
           <a:p>
             <a:fld id="{06028ED6-4E55-4A54-B87A-A615BAC9E3BC}" type="datetimeFigureOut">
               <a:rPr lang="zh-CN" altLang="en-US" smtClean="0"/>
-              <a:t>2019/2/12</a:t>
+              <a:t>2019/2/14</a:t>
             </a:fld>
             <a:endParaRPr lang="zh-CN" altLang="en-US"/>
           </a:p>
@@ -1249,7 +1250,7 @@
           <a:p>
             <a:fld id="{06028ED6-4E55-4A54-B87A-A615BAC9E3BC}" type="datetimeFigureOut">
               <a:rPr lang="zh-CN" altLang="en-US" smtClean="0"/>
-              <a:t>2019/2/12</a:t>
+              <a:t>2019/2/14</a:t>
             </a:fld>
             <a:endParaRPr lang="zh-CN" altLang="en-US"/>
           </a:p>
@@ -1616,7 +1617,7 @@
           <a:p>
             <a:fld id="{06028ED6-4E55-4A54-B87A-A615BAC9E3BC}" type="datetimeFigureOut">
               <a:rPr lang="zh-CN" altLang="en-US" smtClean="0"/>
-              <a:t>2019/2/12</a:t>
+              <a:t>2019/2/14</a:t>
             </a:fld>
             <a:endParaRPr lang="zh-CN" altLang="en-US"/>
           </a:p>
@@ -1734,7 +1735,7 @@
           <a:p>
             <a:fld id="{06028ED6-4E55-4A54-B87A-A615BAC9E3BC}" type="datetimeFigureOut">
               <a:rPr lang="zh-CN" altLang="en-US" smtClean="0"/>
-              <a:t>2019/2/12</a:t>
+              <a:t>2019/2/14</a:t>
             </a:fld>
             <a:endParaRPr lang="zh-CN" altLang="en-US"/>
           </a:p>
@@ -1829,7 +1830,7 @@
           <a:p>
             <a:fld id="{06028ED6-4E55-4A54-B87A-A615BAC9E3BC}" type="datetimeFigureOut">
               <a:rPr lang="zh-CN" altLang="en-US" smtClean="0"/>
-              <a:t>2019/2/12</a:t>
+              <a:t>2019/2/14</a:t>
             </a:fld>
             <a:endParaRPr lang="zh-CN" altLang="en-US"/>
           </a:p>
@@ -2106,7 +2107,7 @@
           <a:p>
             <a:fld id="{06028ED6-4E55-4A54-B87A-A615BAC9E3BC}" type="datetimeFigureOut">
               <a:rPr lang="zh-CN" altLang="en-US" smtClean="0"/>
-              <a:t>2019/2/12</a:t>
+              <a:t>2019/2/14</a:t>
             </a:fld>
             <a:endParaRPr lang="zh-CN" altLang="en-US"/>
           </a:p>
@@ -2359,7 +2360,7 @@
           <a:p>
             <a:fld id="{06028ED6-4E55-4A54-B87A-A615BAC9E3BC}" type="datetimeFigureOut">
               <a:rPr lang="zh-CN" altLang="en-US" smtClean="0"/>
-              <a:t>2019/2/12</a:t>
+              <a:t>2019/2/14</a:t>
             </a:fld>
             <a:endParaRPr lang="zh-CN" altLang="en-US"/>
           </a:p>
@@ -2572,7 +2573,7 @@
           <a:p>
             <a:fld id="{06028ED6-4E55-4A54-B87A-A615BAC9E3BC}" type="datetimeFigureOut">
               <a:rPr lang="zh-CN" altLang="en-US" smtClean="0"/>
-              <a:t>2019/2/12</a:t>
+              <a:t>2019/2/14</a:t>
             </a:fld>
             <a:endParaRPr lang="zh-CN" altLang="en-US"/>
           </a:p>
@@ -3070,6 +3071,100 @@
 </p:sld>
 </file>
 
+<file path=ppt/slides/slide10.xml><?xml version="1.0" encoding="utf-8"?>
+<p:sld xmlns:a="http://schemas.openxmlformats.org/drawingml/2006/main" xmlns:r="http://schemas.openxmlformats.org/officeDocument/2006/relationships" xmlns:p="http://schemas.openxmlformats.org/presentationml/2006/main">
+  <p:cSld>
+    <p:spTree>
+      <p:nvGrpSpPr>
+        <p:cNvPr id="1" name=""/>
+        <p:cNvGrpSpPr/>
+        <p:nvPr/>
+      </p:nvGrpSpPr>
+      <p:grpSpPr>
+        <a:xfrm>
+          <a:off x="0" y="0"/>
+          <a:ext cx="0" cy="0"/>
+          <a:chOff x="0" y="0"/>
+          <a:chExt cx="0" cy="0"/>
+        </a:xfrm>
+      </p:grpSpPr>
+      <p:sp>
+        <p:nvSpPr>
+          <p:cNvPr id="2" name="标题 1"/>
+          <p:cNvSpPr>
+            <a:spLocks noGrp="1"/>
+          </p:cNvSpPr>
+          <p:nvPr>
+            <p:ph type="title"/>
+          </p:nvPr>
+        </p:nvSpPr>
+        <p:spPr/>
+        <p:txBody>
+          <a:bodyPr/>
+          <a:lstStyle/>
+          <a:p>
+            <a:r>
+              <a:rPr lang="zh-CN" altLang="en-US" dirty="0" smtClean="0"/>
+              <a:t>讲解参考网址</a:t>
+            </a:r>
+            <a:endParaRPr lang="zh-CN" altLang="en-US" dirty="0"/>
+          </a:p>
+        </p:txBody>
+      </p:sp>
+      <p:sp>
+        <p:nvSpPr>
+          <p:cNvPr id="3" name="内容占位符 2"/>
+          <p:cNvSpPr>
+            <a:spLocks noGrp="1"/>
+          </p:cNvSpPr>
+          <p:nvPr>
+            <p:ph idx="1"/>
+          </p:nvPr>
+        </p:nvSpPr>
+        <p:spPr/>
+        <p:txBody>
+          <a:bodyPr/>
+          <a:lstStyle/>
+          <a:p>
+            <a:pPr marL="0" indent="0">
+              <a:buNone/>
+            </a:pPr>
+            <a:r>
+              <a:rPr lang="zh-CN" altLang="en-US" dirty="0" smtClean="0"/>
+              <a:t>里氏替换原则</a:t>
+            </a:r>
+            <a:r>
+              <a:rPr lang="en-US" altLang="zh-CN" dirty="0" smtClean="0"/>
+              <a:t>https</a:t>
+            </a:r>
+            <a:r>
+              <a:rPr lang="en-US" altLang="zh-CN" dirty="0"/>
+              <a:t>://www.cnblogs.com/chenxkang/p/6657384.html</a:t>
+            </a:r>
+            <a:endParaRPr lang="zh-CN" altLang="en-US" dirty="0"/>
+          </a:p>
+        </p:txBody>
+      </p:sp>
+    </p:spTree>
+    <p:extLst>
+      <p:ext uri="{BB962C8B-B14F-4D97-AF65-F5344CB8AC3E}">
+        <p14:creationId xmlns:p14="http://schemas.microsoft.com/office/powerpoint/2010/main" val="290999488"/>
+      </p:ext>
+    </p:extLst>
+  </p:cSld>
+  <p:clrMapOvr>
+    <a:masterClrMapping/>
+  </p:clrMapOvr>
+  <p:timing>
+    <p:tnLst>
+      <p:par>
+        <p:cTn id="1" dur="indefinite" restart="never" nodeType="tmRoot"/>
+      </p:par>
+    </p:tnLst>
+  </p:timing>
+</p:sld>
+</file>
+
 <file path=ppt/slides/slide2.xml><?xml version="1.0" encoding="utf-8"?>
 <p:sld xmlns:a="http://schemas.openxmlformats.org/drawingml/2006/main" xmlns:r="http://schemas.openxmlformats.org/officeDocument/2006/relationships" xmlns:p="http://schemas.openxmlformats.org/presentationml/2006/main">
   <p:cSld>
@@ -3213,11 +3308,7 @@
           <a:p>
             <a:r>
               <a:rPr lang="zh-CN" altLang="en-US" dirty="0" smtClean="0"/>
-              <a:t>一</a:t>
-            </a:r>
-            <a:r>
-              <a:rPr lang="zh-CN" altLang="en-US" dirty="0" smtClean="0"/>
-              <a:t>、单一职责原则</a:t>
+              <a:t>一、单一职责原则</a:t>
             </a:r>
             <a:endParaRPr lang="zh-CN" altLang="en-US" dirty="0"/>
           </a:p>
@@ -4076,7 +4167,15 @@
           <a:p>
             <a:r>
               <a:rPr lang="zh-CN" altLang="en-US" dirty="0" smtClean="0"/>
-              <a:t>五、装饰模式</a:t>
+              <a:t>五、装饰</a:t>
+            </a:r>
+            <a:r>
+              <a:rPr lang="zh-CN" altLang="en-US" dirty="0" smtClean="0"/>
+              <a:t>模式</a:t>
+            </a:r>
+            <a:r>
+              <a:rPr lang="en-US" altLang="zh-CN" dirty="0"/>
+              <a:t>Decorator</a:t>
             </a:r>
             <a:endParaRPr lang="zh-CN" altLang="en-US" dirty="0"/>
           </a:p>
@@ -4193,7 +4292,11 @@
           <a:p>
             <a:r>
               <a:rPr lang="zh-CN" altLang="en-US" dirty="0" smtClean="0"/>
-              <a:t>讲解参考网址</a:t>
+              <a:t>六、代理模式</a:t>
+            </a:r>
+            <a:r>
+              <a:rPr lang="en-US" altLang="zh-CN" dirty="0"/>
+              <a:t>Proxy</a:t>
             </a:r>
             <a:endParaRPr lang="zh-CN" altLang="en-US" dirty="0"/>
           </a:p>
@@ -4214,13 +4317,6 @@
           <a:bodyPr/>
           <a:lstStyle/>
           <a:p>
-            <a:pPr marL="0" indent="0">
-              <a:buNone/>
-            </a:pPr>
-            <a:r>
-              <a:rPr lang="en-US" altLang="zh-CN" dirty="0"/>
-              <a:t>https://www.cnblogs.com/chenxkang/p/6657384.html</a:t>
-            </a:r>
             <a:endParaRPr lang="zh-CN" altLang="en-US" dirty="0"/>
           </a:p>
         </p:txBody>
@@ -4228,20 +4324,13 @@
     </p:spTree>
     <p:extLst>
       <p:ext uri="{BB962C8B-B14F-4D97-AF65-F5344CB8AC3E}">
-        <p14:creationId xmlns:p14="http://schemas.microsoft.com/office/powerpoint/2010/main" val="290999488"/>
+        <p14:creationId xmlns:p14="http://schemas.microsoft.com/office/powerpoint/2010/main" val="428829898"/>
       </p:ext>
     </p:extLst>
   </p:cSld>
   <p:clrMapOvr>
     <a:masterClrMapping/>
   </p:clrMapOvr>
-  <p:timing>
-    <p:tnLst>
-      <p:par>
-        <p:cTn id="1" dur="indefinite" restart="never" nodeType="tmRoot"/>
-      </p:par>
-    </p:tnLst>
-  </p:timing>
 </p:sld>
 </file>
 

--- a/设计模式2.pptx
+++ b/设计模式2.pptx
@@ -12,9 +12,11 @@
     <p:sldId id="268" r:id="rId6"/>
     <p:sldId id="269" r:id="rId7"/>
     <p:sldId id="270" r:id="rId8"/>
-    <p:sldId id="271" r:id="rId9"/>
-    <p:sldId id="272" r:id="rId10"/>
-    <p:sldId id="266" r:id="rId11"/>
+    <p:sldId id="273" r:id="rId9"/>
+    <p:sldId id="275" r:id="rId10"/>
+    <p:sldId id="271" r:id="rId11"/>
+    <p:sldId id="272" r:id="rId12"/>
+    <p:sldId id="266" r:id="rId13"/>
   </p:sldIdLst>
   <p:sldSz cx="12192000" cy="6858000"/>
   <p:notesSz cx="6858000" cy="9144000"/>
@@ -252,7 +254,7 @@
           <a:p>
             <a:fld id="{06028ED6-4E55-4A54-B87A-A615BAC9E3BC}" type="datetimeFigureOut">
               <a:rPr lang="zh-CN" altLang="en-US" smtClean="0"/>
-              <a:t>2019/2/14</a:t>
+              <a:t>2019/2/18</a:t>
             </a:fld>
             <a:endParaRPr lang="zh-CN" altLang="en-US"/>
           </a:p>
@@ -422,7 +424,7 @@
           <a:p>
             <a:fld id="{06028ED6-4E55-4A54-B87A-A615BAC9E3BC}" type="datetimeFigureOut">
               <a:rPr lang="zh-CN" altLang="en-US" smtClean="0"/>
-              <a:t>2019/2/14</a:t>
+              <a:t>2019/2/18</a:t>
             </a:fld>
             <a:endParaRPr lang="zh-CN" altLang="en-US"/>
           </a:p>
@@ -602,7 +604,7 @@
           <a:p>
             <a:fld id="{06028ED6-4E55-4A54-B87A-A615BAC9E3BC}" type="datetimeFigureOut">
               <a:rPr lang="zh-CN" altLang="en-US" smtClean="0"/>
-              <a:t>2019/2/14</a:t>
+              <a:t>2019/2/18</a:t>
             </a:fld>
             <a:endParaRPr lang="zh-CN" altLang="en-US"/>
           </a:p>
@@ -772,7 +774,7 @@
           <a:p>
             <a:fld id="{06028ED6-4E55-4A54-B87A-A615BAC9E3BC}" type="datetimeFigureOut">
               <a:rPr lang="zh-CN" altLang="en-US" smtClean="0"/>
-              <a:t>2019/2/14</a:t>
+              <a:t>2019/2/18</a:t>
             </a:fld>
             <a:endParaRPr lang="zh-CN" altLang="en-US"/>
           </a:p>
@@ -1018,7 +1020,7 @@
           <a:p>
             <a:fld id="{06028ED6-4E55-4A54-B87A-A615BAC9E3BC}" type="datetimeFigureOut">
               <a:rPr lang="zh-CN" altLang="en-US" smtClean="0"/>
-              <a:t>2019/2/14</a:t>
+              <a:t>2019/2/18</a:t>
             </a:fld>
             <a:endParaRPr lang="zh-CN" altLang="en-US"/>
           </a:p>
@@ -1250,7 +1252,7 @@
           <a:p>
             <a:fld id="{06028ED6-4E55-4A54-B87A-A615BAC9E3BC}" type="datetimeFigureOut">
               <a:rPr lang="zh-CN" altLang="en-US" smtClean="0"/>
-              <a:t>2019/2/14</a:t>
+              <a:t>2019/2/18</a:t>
             </a:fld>
             <a:endParaRPr lang="zh-CN" altLang="en-US"/>
           </a:p>
@@ -1617,7 +1619,7 @@
           <a:p>
             <a:fld id="{06028ED6-4E55-4A54-B87A-A615BAC9E3BC}" type="datetimeFigureOut">
               <a:rPr lang="zh-CN" altLang="en-US" smtClean="0"/>
-              <a:t>2019/2/14</a:t>
+              <a:t>2019/2/18</a:t>
             </a:fld>
             <a:endParaRPr lang="zh-CN" altLang="en-US"/>
           </a:p>
@@ -1735,7 +1737,7 @@
           <a:p>
             <a:fld id="{06028ED6-4E55-4A54-B87A-A615BAC9E3BC}" type="datetimeFigureOut">
               <a:rPr lang="zh-CN" altLang="en-US" smtClean="0"/>
-              <a:t>2019/2/14</a:t>
+              <a:t>2019/2/18</a:t>
             </a:fld>
             <a:endParaRPr lang="zh-CN" altLang="en-US"/>
           </a:p>
@@ -1830,7 +1832,7 @@
           <a:p>
             <a:fld id="{06028ED6-4E55-4A54-B87A-A615BAC9E3BC}" type="datetimeFigureOut">
               <a:rPr lang="zh-CN" altLang="en-US" smtClean="0"/>
-              <a:t>2019/2/14</a:t>
+              <a:t>2019/2/18</a:t>
             </a:fld>
             <a:endParaRPr lang="zh-CN" altLang="en-US"/>
           </a:p>
@@ -2107,7 +2109,7 @@
           <a:p>
             <a:fld id="{06028ED6-4E55-4A54-B87A-A615BAC9E3BC}" type="datetimeFigureOut">
               <a:rPr lang="zh-CN" altLang="en-US" smtClean="0"/>
-              <a:t>2019/2/14</a:t>
+              <a:t>2019/2/18</a:t>
             </a:fld>
             <a:endParaRPr lang="zh-CN" altLang="en-US"/>
           </a:p>
@@ -2360,7 +2362,7 @@
           <a:p>
             <a:fld id="{06028ED6-4E55-4A54-B87A-A615BAC9E3BC}" type="datetimeFigureOut">
               <a:rPr lang="zh-CN" altLang="en-US" smtClean="0"/>
-              <a:t>2019/2/14</a:t>
+              <a:t>2019/2/18</a:t>
             </a:fld>
             <a:endParaRPr lang="zh-CN" altLang="en-US"/>
           </a:p>
@@ -2573,7 +2575,7 @@
           <a:p>
             <a:fld id="{06028ED6-4E55-4A54-B87A-A615BAC9E3BC}" type="datetimeFigureOut">
               <a:rPr lang="zh-CN" altLang="en-US" smtClean="0"/>
-              <a:t>2019/2/14</a:t>
+              <a:t>2019/2/18</a:t>
             </a:fld>
             <a:endParaRPr lang="zh-CN" altLang="en-US"/>
           </a:p>
@@ -3105,6 +3107,365 @@
           <a:p>
             <a:r>
               <a:rPr lang="zh-CN" altLang="en-US" dirty="0" smtClean="0"/>
+              <a:t>装饰</a:t>
+            </a:r>
+            <a:r>
+              <a:rPr lang="zh-CN" altLang="en-US" dirty="0" smtClean="0"/>
+              <a:t>模式</a:t>
+            </a:r>
+            <a:r>
+              <a:rPr lang="en-US" altLang="zh-CN" dirty="0"/>
+              <a:t>Decorator</a:t>
+            </a:r>
+            <a:endParaRPr lang="zh-CN" altLang="en-US" dirty="0"/>
+          </a:p>
+        </p:txBody>
+      </p:sp>
+      <p:sp>
+        <p:nvSpPr>
+          <p:cNvPr id="5" name="内容占位符 4"/>
+          <p:cNvSpPr>
+            <a:spLocks noGrp="1"/>
+          </p:cNvSpPr>
+          <p:nvPr>
+            <p:ph idx="1"/>
+          </p:nvPr>
+        </p:nvSpPr>
+        <p:spPr/>
+        <p:txBody>
+          <a:bodyPr>
+            <a:normAutofit fontScale="92500" lnSpcReduction="20000"/>
+          </a:bodyPr>
+          <a:lstStyle/>
+          <a:p>
+            <a:pPr marL="0" indent="0">
+              <a:buNone/>
+            </a:pPr>
+            <a:r>
+              <a:rPr lang="en-US" altLang="zh-CN" dirty="0" smtClean="0"/>
+              <a:t>                                                                           </a:t>
+            </a:r>
+            <a:r>
+              <a:rPr lang="en-US" altLang="zh-CN" dirty="0" smtClean="0"/>
+              <a:t>Component</a:t>
+            </a:r>
+            <a:r>
+              <a:rPr lang="zh-CN" altLang="en-US" dirty="0" smtClean="0"/>
+              <a:t>统一接口</a:t>
+            </a:r>
+            <a:endParaRPr lang="en-US" altLang="zh-CN" dirty="0"/>
+          </a:p>
+          <a:p>
+            <a:pPr marL="0" indent="0">
+              <a:buNone/>
+            </a:pPr>
+            <a:r>
+              <a:rPr lang="en-US" altLang="zh-CN" dirty="0" smtClean="0"/>
+              <a:t>						 </a:t>
+            </a:r>
+            <a:r>
+              <a:rPr lang="en-US" altLang="zh-CN" dirty="0" err="1" smtClean="0"/>
+              <a:t>ConcreteComponent</a:t>
+            </a:r>
+            <a:r>
+              <a:rPr lang="zh-CN" altLang="en-US" dirty="0" smtClean="0"/>
+              <a:t>被装饰类</a:t>
+            </a:r>
+            <a:endParaRPr lang="en-US" altLang="zh-CN" dirty="0" smtClean="0"/>
+          </a:p>
+          <a:p>
+            <a:pPr marL="0" indent="0">
+              <a:buNone/>
+            </a:pPr>
+            <a:r>
+              <a:rPr lang="en-US" altLang="zh-CN" dirty="0" smtClean="0"/>
+              <a:t>						 Decorator</a:t>
+            </a:r>
+            <a:r>
+              <a:rPr lang="zh-CN" altLang="en-US" dirty="0" smtClean="0"/>
+              <a:t>装饰类</a:t>
+            </a:r>
+            <a:endParaRPr lang="en-US" altLang="zh-CN" dirty="0" smtClean="0"/>
+          </a:p>
+          <a:p>
+            <a:pPr marL="0" indent="0">
+              <a:buNone/>
+            </a:pPr>
+            <a:r>
+              <a:rPr lang="en-US" altLang="zh-CN" dirty="0"/>
+              <a:t>	</a:t>
+            </a:r>
+            <a:r>
+              <a:rPr lang="en-US" altLang="zh-CN" dirty="0" smtClean="0"/>
+              <a:t>					 </a:t>
+            </a:r>
+            <a:r>
+              <a:rPr lang="en-US" altLang="zh-CN" dirty="0" err="1" smtClean="0"/>
+              <a:t>ConcreteDecorator</a:t>
+            </a:r>
+            <a:r>
+              <a:rPr lang="zh-CN" altLang="en-US" dirty="0" smtClean="0"/>
+              <a:t>具体装饰</a:t>
+            </a:r>
+            <a:r>
+              <a:rPr lang="zh-CN" altLang="en-US" dirty="0"/>
+              <a:t>产品类</a:t>
+            </a:r>
+            <a:endParaRPr lang="en-US" altLang="zh-CN" dirty="0"/>
+          </a:p>
+          <a:p>
+            <a:pPr marL="0" indent="0">
+              <a:buNone/>
+            </a:pPr>
+            <a:endParaRPr lang="en-US" altLang="zh-CN" dirty="0" smtClean="0"/>
+          </a:p>
+          <a:p>
+            <a:pPr marL="0" indent="0">
+              <a:buNone/>
+            </a:pPr>
+            <a:endParaRPr lang="en-US" altLang="zh-CN" dirty="0"/>
+          </a:p>
+          <a:p>
+            <a:pPr marL="0" indent="0">
+              <a:buNone/>
+            </a:pPr>
+            <a:endParaRPr lang="en-US" altLang="zh-CN" dirty="0" smtClean="0"/>
+          </a:p>
+          <a:p>
+            <a:pPr marL="0" indent="0">
+              <a:buNone/>
+            </a:pPr>
+            <a:endParaRPr lang="en-US" altLang="zh-CN" dirty="0"/>
+          </a:p>
+          <a:p>
+            <a:pPr marL="0" indent="0">
+              <a:buNone/>
+            </a:pPr>
+            <a:r>
+              <a:rPr lang="en-US" altLang="zh-CN" dirty="0" err="1"/>
+              <a:t>OutputStream</a:t>
+            </a:r>
+            <a:r>
+              <a:rPr lang="en-US" altLang="zh-CN" dirty="0"/>
+              <a:t> out = new </a:t>
+            </a:r>
+            <a:r>
+              <a:rPr lang="en-US" altLang="zh-CN" dirty="0" err="1"/>
+              <a:t>DataOutputStream</a:t>
+            </a:r>
+            <a:r>
+              <a:rPr lang="zh-CN" altLang="en-US" dirty="0"/>
+              <a:t>（ </a:t>
+            </a:r>
+            <a:r>
+              <a:rPr lang="en-US" altLang="zh-CN" dirty="0"/>
+              <a:t>new </a:t>
+            </a:r>
+            <a:r>
+              <a:rPr lang="en-US" altLang="zh-CN" dirty="0" err="1"/>
+              <a:t>FileOutputStream</a:t>
+            </a:r>
+            <a:r>
+              <a:rPr lang="zh-CN" altLang="en-US" dirty="0"/>
+              <a:t>（ </a:t>
+            </a:r>
+            <a:r>
+              <a:rPr lang="en-US" altLang="zh-CN" dirty="0"/>
+              <a:t>"test.txt"</a:t>
+            </a:r>
+            <a:r>
+              <a:rPr lang="zh-CN" altLang="en-US" dirty="0"/>
+              <a:t>） ）</a:t>
+            </a:r>
+          </a:p>
+          <a:p>
+            <a:pPr marL="0" indent="0">
+              <a:buNone/>
+            </a:pPr>
+            <a:endParaRPr lang="en-US" altLang="zh-CN" dirty="0" smtClean="0"/>
+          </a:p>
+          <a:p>
+            <a:pPr marL="0" indent="0">
+              <a:buNone/>
+            </a:pPr>
+            <a:endParaRPr lang="zh-CN" altLang="en-US" dirty="0"/>
+          </a:p>
+        </p:txBody>
+      </p:sp>
+      <p:pic>
+        <p:nvPicPr>
+          <p:cNvPr id="4" name="图片 3"/>
+          <p:cNvPicPr>
+            <a:picLocks noChangeAspect="1"/>
+          </p:cNvPicPr>
+          <p:nvPr/>
+        </p:nvPicPr>
+        <p:blipFill>
+          <a:blip r:embed="rId2">
+            <a:extLst>
+              <a:ext uri="{28A0092B-C50C-407E-A947-70E740481C1C}">
+                <a14:useLocalDpi xmlns:a14="http://schemas.microsoft.com/office/drawing/2010/main" val="0"/>
+              </a:ext>
+            </a:extLst>
+          </a:blip>
+          <a:stretch>
+            <a:fillRect/>
+          </a:stretch>
+        </p:blipFill>
+        <p:spPr>
+          <a:xfrm>
+            <a:off x="838200" y="1432433"/>
+            <a:ext cx="5644896" cy="3398458"/>
+          </a:xfrm>
+          <a:prstGeom prst="rect">
+            <a:avLst/>
+          </a:prstGeom>
+        </p:spPr>
+      </p:pic>
+    </p:spTree>
+    <p:extLst>
+      <p:ext uri="{BB962C8B-B14F-4D97-AF65-F5344CB8AC3E}">
+        <p14:creationId xmlns:p14="http://schemas.microsoft.com/office/powerpoint/2010/main" val="706216871"/>
+      </p:ext>
+    </p:extLst>
+  </p:cSld>
+  <p:clrMapOvr>
+    <a:masterClrMapping/>
+  </p:clrMapOvr>
+  <p:timing>
+    <p:tnLst>
+      <p:par>
+        <p:cTn id="1" dur="indefinite" restart="never" nodeType="tmRoot"/>
+      </p:par>
+    </p:tnLst>
+  </p:timing>
+</p:sld>
+</file>
+
+<file path=ppt/slides/slide11.xml><?xml version="1.0" encoding="utf-8"?>
+<p:sld xmlns:a="http://schemas.openxmlformats.org/drawingml/2006/main" xmlns:r="http://schemas.openxmlformats.org/officeDocument/2006/relationships" xmlns:p="http://schemas.openxmlformats.org/presentationml/2006/main">
+  <p:cSld>
+    <p:spTree>
+      <p:nvGrpSpPr>
+        <p:cNvPr id="1" name=""/>
+        <p:cNvGrpSpPr/>
+        <p:nvPr/>
+      </p:nvGrpSpPr>
+      <p:grpSpPr>
+        <a:xfrm>
+          <a:off x="0" y="0"/>
+          <a:ext cx="0" cy="0"/>
+          <a:chOff x="0" y="0"/>
+          <a:chExt cx="0" cy="0"/>
+        </a:xfrm>
+      </p:grpSpPr>
+      <p:sp>
+        <p:nvSpPr>
+          <p:cNvPr id="2" name="标题 1"/>
+          <p:cNvSpPr>
+            <a:spLocks noGrp="1"/>
+          </p:cNvSpPr>
+          <p:nvPr>
+            <p:ph type="title"/>
+          </p:nvPr>
+        </p:nvSpPr>
+        <p:spPr/>
+        <p:txBody>
+          <a:bodyPr/>
+          <a:lstStyle/>
+          <a:p>
+            <a:r>
+              <a:rPr lang="zh-CN" altLang="en-US" dirty="0" smtClean="0"/>
+              <a:t>代理</a:t>
+            </a:r>
+            <a:r>
+              <a:rPr lang="zh-CN" altLang="en-US" dirty="0" smtClean="0"/>
+              <a:t>模式</a:t>
+            </a:r>
+            <a:r>
+              <a:rPr lang="en-US" altLang="zh-CN" dirty="0"/>
+              <a:t>Proxy</a:t>
+            </a:r>
+            <a:endParaRPr lang="zh-CN" altLang="en-US" dirty="0"/>
+          </a:p>
+        </p:txBody>
+      </p:sp>
+      <p:pic>
+        <p:nvPicPr>
+          <p:cNvPr id="9" name="内容占位符 8"/>
+          <p:cNvPicPr>
+            <a:picLocks noGrp="1" noChangeAspect="1"/>
+          </p:cNvPicPr>
+          <p:nvPr>
+            <p:ph idx="1"/>
+          </p:nvPr>
+        </p:nvPicPr>
+        <p:blipFill>
+          <a:blip r:embed="rId2">
+            <a:extLst>
+              <a:ext uri="{28A0092B-C50C-407E-A947-70E740481C1C}">
+                <a14:useLocalDpi xmlns:a14="http://schemas.microsoft.com/office/drawing/2010/main" val="0"/>
+              </a:ext>
+            </a:extLst>
+          </a:blip>
+          <a:stretch>
+            <a:fillRect/>
+          </a:stretch>
+        </p:blipFill>
+        <p:spPr>
+          <a:xfrm>
+            <a:off x="1072222" y="1514729"/>
+            <a:ext cx="8208937" cy="4817840"/>
+          </a:xfrm>
+        </p:spPr>
+      </p:pic>
+    </p:spTree>
+    <p:extLst>
+      <p:ext uri="{BB962C8B-B14F-4D97-AF65-F5344CB8AC3E}">
+        <p14:creationId xmlns:p14="http://schemas.microsoft.com/office/powerpoint/2010/main" val="428829898"/>
+      </p:ext>
+    </p:extLst>
+  </p:cSld>
+  <p:clrMapOvr>
+    <a:masterClrMapping/>
+  </p:clrMapOvr>
+</p:sld>
+</file>
+
+<file path=ppt/slides/slide12.xml><?xml version="1.0" encoding="utf-8"?>
+<p:sld xmlns:a="http://schemas.openxmlformats.org/drawingml/2006/main" xmlns:r="http://schemas.openxmlformats.org/officeDocument/2006/relationships" xmlns:p="http://schemas.openxmlformats.org/presentationml/2006/main">
+  <p:cSld>
+    <p:spTree>
+      <p:nvGrpSpPr>
+        <p:cNvPr id="1" name=""/>
+        <p:cNvGrpSpPr/>
+        <p:nvPr/>
+      </p:nvGrpSpPr>
+      <p:grpSpPr>
+        <a:xfrm>
+          <a:off x="0" y="0"/>
+          <a:ext cx="0" cy="0"/>
+          <a:chOff x="0" y="0"/>
+          <a:chExt cx="0" cy="0"/>
+        </a:xfrm>
+      </p:grpSpPr>
+      <p:sp>
+        <p:nvSpPr>
+          <p:cNvPr id="2" name="标题 1"/>
+          <p:cNvSpPr>
+            <a:spLocks noGrp="1"/>
+          </p:cNvSpPr>
+          <p:nvPr>
+            <p:ph type="title"/>
+          </p:nvPr>
+        </p:nvSpPr>
+        <p:spPr/>
+        <p:txBody>
+          <a:bodyPr/>
+          <a:lstStyle/>
+          <a:p>
+            <a:r>
+              <a:rPr lang="zh-CN" altLang="en-US" dirty="0" smtClean="0"/>
               <a:t>讲解参考网址</a:t>
             </a:r>
             <a:endParaRPr lang="zh-CN" altLang="en-US" dirty="0"/>
@@ -3308,7 +3669,15 @@
           <a:p>
             <a:r>
               <a:rPr lang="zh-CN" altLang="en-US" dirty="0" smtClean="0"/>
-              <a:t>一、单一职责原则</a:t>
+              <a:t>一、单一职责</a:t>
+            </a:r>
+            <a:r>
+              <a:rPr lang="zh-CN" altLang="en-US" dirty="0" smtClean="0"/>
+              <a:t>原则</a:t>
+            </a:r>
+            <a:r>
+              <a:rPr lang="en-US" altLang="zh-CN" dirty="0" smtClean="0"/>
+              <a:t>SRP</a:t>
             </a:r>
             <a:endParaRPr lang="zh-CN" altLang="en-US" dirty="0"/>
           </a:p>
@@ -3328,6 +3697,112 @@
         <p:txBody>
           <a:bodyPr/>
           <a:lstStyle/>
+          <a:p>
+            <a:pPr marL="0" indent="0">
+              <a:buNone/>
+            </a:pPr>
+            <a:r>
+              <a:rPr lang="zh-CN" altLang="en-US" dirty="0" smtClean="0"/>
+              <a:t>核心思想：一</a:t>
+            </a:r>
+            <a:r>
+              <a:rPr lang="zh-CN" altLang="en-US" dirty="0"/>
+              <a:t>个类</a:t>
+            </a:r>
+            <a:r>
+              <a:rPr lang="zh-CN" altLang="en-US" dirty="0" smtClean="0"/>
+              <a:t>应该</a:t>
+            </a:r>
+            <a:r>
+              <a:rPr lang="zh-CN" altLang="en-US" dirty="0"/>
+              <a:t>有且只有一个变化的</a:t>
+            </a:r>
+            <a:r>
+              <a:rPr lang="zh-CN" altLang="en-US" dirty="0" smtClean="0"/>
+              <a:t>原因</a:t>
+            </a:r>
+            <a:endParaRPr lang="en-US" altLang="zh-CN" dirty="0" smtClean="0"/>
+          </a:p>
+          <a:p>
+            <a:pPr marL="0" indent="0">
+              <a:buNone/>
+            </a:pPr>
+            <a:r>
+              <a:rPr lang="zh-CN" altLang="en-US" dirty="0"/>
+              <a:t>单一职责原则将不同的</a:t>
+            </a:r>
+            <a:r>
+              <a:rPr lang="zh-CN" altLang="en-US" dirty="0">
+                <a:solidFill>
+                  <a:srgbClr val="FF0000"/>
+                </a:solidFill>
+              </a:rPr>
+              <a:t>职责</a:t>
+            </a:r>
+            <a:r>
+              <a:rPr lang="zh-CN" altLang="en-US" dirty="0"/>
+              <a:t>分离到单独的类，每一个职责都是一个变化的</a:t>
+            </a:r>
+            <a:r>
+              <a:rPr lang="zh-CN" altLang="en-US" dirty="0" smtClean="0"/>
+              <a:t>中心</a:t>
+            </a:r>
+            <a:endParaRPr lang="en-US" altLang="zh-CN" dirty="0" smtClean="0"/>
+          </a:p>
+          <a:p>
+            <a:pPr marL="0" indent="0">
+              <a:buNone/>
+            </a:pPr>
+            <a:endParaRPr lang="en-US" altLang="zh-CN" dirty="0"/>
+          </a:p>
+          <a:p>
+            <a:pPr marL="0" indent="0">
+              <a:buNone/>
+            </a:pPr>
+            <a:r>
+              <a:rPr lang="zh-CN" altLang="en-US" dirty="0" smtClean="0"/>
+              <a:t>难点：单一</a:t>
+            </a:r>
+            <a:r>
+              <a:rPr lang="zh-CN" altLang="en-US" dirty="0"/>
+              <a:t>职责最难划分的是</a:t>
+            </a:r>
+            <a:r>
+              <a:rPr lang="zh-CN" altLang="en-US" dirty="0" smtClean="0"/>
+              <a:t>职责</a:t>
+            </a:r>
+            <a:endParaRPr lang="en-US" altLang="zh-CN" dirty="0" smtClean="0"/>
+          </a:p>
+          <a:p>
+            <a:pPr marL="0" indent="0">
+              <a:buNone/>
+            </a:pPr>
+            <a:endParaRPr lang="en-US" altLang="zh-CN" dirty="0"/>
+          </a:p>
+          <a:p>
+            <a:pPr marL="0" indent="0">
+              <a:buNone/>
+            </a:pPr>
+            <a:r>
+              <a:rPr lang="zh-CN" altLang="en-US" dirty="0" smtClean="0"/>
+              <a:t>例如登录验证功能和用户信息修改功能是两种职责。</a:t>
+            </a:r>
+            <a:endParaRPr lang="en-US" altLang="zh-CN" dirty="0" smtClean="0"/>
+          </a:p>
+          <a:p>
+            <a:pPr marL="0" indent="0">
+              <a:buNone/>
+            </a:pPr>
+            <a:r>
+              <a:rPr lang="zh-CN" altLang="en-US" dirty="0"/>
+              <a:t>用户信息</a:t>
+            </a:r>
+            <a:r>
+              <a:rPr lang="zh-CN" altLang="en-US" dirty="0" smtClean="0"/>
+              <a:t>修改中又可以将基本信息修改和密码修改分为两个职责。</a:t>
+            </a:r>
+            <a:endParaRPr lang="en-US" altLang="zh-CN" dirty="0" smtClean="0"/>
+          </a:p>
           <a:p>
             <a:pPr marL="0" indent="0">
               <a:buNone/>
@@ -3394,7 +3869,15 @@
             </a:r>
             <a:r>
               <a:rPr lang="zh-CN" altLang="en-US" dirty="0" smtClean="0"/>
-              <a:t>、单一职责原则</a:t>
+              <a:t>、开放封闭原则</a:t>
+            </a:r>
+            <a:r>
+              <a:rPr lang="en-US" altLang="zh-CN" dirty="0"/>
+              <a:t>OCP</a:t>
+            </a:r>
+            <a:r>
+              <a:rPr lang="zh-CN" altLang="en-US" dirty="0" smtClean="0"/>
+              <a:t>（终极目标）</a:t>
             </a:r>
             <a:endParaRPr lang="zh-CN" altLang="en-US" dirty="0"/>
           </a:p>
@@ -3418,6 +3901,76 @@
             <a:pPr marL="0" indent="0">
               <a:buNone/>
             </a:pPr>
+            <a:r>
+              <a:rPr lang="zh-CN" altLang="en-US" dirty="0" smtClean="0"/>
+              <a:t>面向扩展开放，面向修改封闭</a:t>
+            </a:r>
+            <a:endParaRPr lang="en-US" altLang="zh-CN" dirty="0" smtClean="0"/>
+          </a:p>
+          <a:p>
+            <a:pPr marL="0" indent="0">
+              <a:buNone/>
+            </a:pPr>
+            <a:endParaRPr lang="en-US" altLang="zh-CN" dirty="0"/>
+          </a:p>
+          <a:p>
+            <a:pPr marL="0" indent="0">
+              <a:buNone/>
+            </a:pPr>
+            <a:r>
+              <a:rPr lang="zh-CN" altLang="en-US" dirty="0" smtClean="0"/>
+              <a:t>扩展：“对扩展开放”</a:t>
+            </a:r>
+            <a:r>
+              <a:rPr lang="zh-CN" altLang="en-US" dirty="0"/>
+              <a:t>的关键是”抽象”，而对象的多态则保证了这种扩展的</a:t>
+            </a:r>
+            <a:r>
+              <a:rPr lang="zh-CN" altLang="en-US" dirty="0" smtClean="0"/>
+              <a:t>开放性</a:t>
+            </a:r>
+            <a:endParaRPr lang="en-US" altLang="zh-CN" dirty="0" smtClean="0"/>
+          </a:p>
+          <a:p>
+            <a:pPr marL="0" indent="0">
+              <a:buNone/>
+            </a:pPr>
+            <a:endParaRPr lang="en-US" altLang="zh-CN" dirty="0"/>
+          </a:p>
+          <a:p>
+            <a:pPr marL="0" indent="0">
+              <a:buNone/>
+            </a:pPr>
+            <a:r>
+              <a:rPr lang="zh-CN" altLang="en-US" dirty="0" smtClean="0"/>
+              <a:t>修改：</a:t>
+            </a:r>
+            <a:r>
+              <a:rPr lang="en-US" altLang="zh-CN" dirty="0" smtClean="0"/>
+              <a:t>1</a:t>
+            </a:r>
+            <a:r>
+              <a:rPr lang="zh-CN" altLang="en-US" dirty="0" smtClean="0"/>
+              <a:t>、对抽象定义的修改</a:t>
+            </a:r>
+            <a:endParaRPr lang="en-US" altLang="zh-CN" dirty="0" smtClean="0"/>
+          </a:p>
+          <a:p>
+            <a:pPr marL="0" indent="0">
+              <a:buNone/>
+            </a:pPr>
+            <a:r>
+              <a:rPr lang="en-US" altLang="zh-CN" dirty="0"/>
+              <a:t>	</a:t>
+            </a:r>
+            <a:r>
+              <a:rPr lang="en-US" altLang="zh-CN" dirty="0" smtClean="0"/>
+              <a:t>2</a:t>
+            </a:r>
+            <a:r>
+              <a:rPr lang="zh-CN" altLang="en-US" dirty="0" smtClean="0"/>
+              <a:t>、对具体实现的修改</a:t>
+            </a:r>
             <a:endParaRPr lang="zh-CN" altLang="en-US" dirty="0"/>
           </a:p>
         </p:txBody>
@@ -3476,7 +4029,27 @@
           <a:p>
             <a:r>
               <a:rPr lang="zh-CN" altLang="en-US" dirty="0" smtClean="0"/>
-              <a:t>三、依赖倒转原则</a:t>
+              <a:t>三、依赖倒转</a:t>
+            </a:r>
+            <a:r>
+              <a:rPr lang="zh-CN" altLang="en-US" dirty="0" smtClean="0"/>
+              <a:t>原则</a:t>
+            </a:r>
+            <a:r>
+              <a:rPr lang="en-US" altLang="zh-CN" dirty="0"/>
+              <a:t>DIP</a:t>
+            </a:r>
+            <a:r>
+              <a:rPr lang="zh-CN" altLang="en-US" dirty="0" smtClean="0"/>
+              <a:t>（实现</a:t>
+            </a:r>
+            <a:r>
+              <a:rPr lang="en-US" altLang="zh-CN" dirty="0" smtClean="0"/>
+              <a:t>OCP</a:t>
+            </a:r>
+            <a:r>
+              <a:rPr lang="zh-CN" altLang="en-US" dirty="0" smtClean="0"/>
+              <a:t>的保障）</a:t>
             </a:r>
             <a:endParaRPr lang="zh-CN" altLang="en-US" dirty="0"/>
           </a:p>
@@ -3497,7 +4070,24 @@
           <a:bodyPr/>
           <a:lstStyle/>
           <a:p>
-            <a:endParaRPr lang="zh-CN" altLang="en-US"/>
+            <a:pPr marL="0" indent="0">
+              <a:buNone/>
+            </a:pPr>
+            <a:r>
+              <a:rPr lang="zh-CN" altLang="en-US" dirty="0" smtClean="0"/>
+              <a:t>抽象不应该依赖于细节，细节应该依赖于抽象（针对接口编程，不要对实现编程）</a:t>
+            </a:r>
+            <a:endParaRPr lang="en-US" altLang="zh-CN" dirty="0" smtClean="0"/>
+          </a:p>
+          <a:p>
+            <a:pPr marL="0" indent="0">
+              <a:buNone/>
+            </a:pPr>
+            <a:r>
+              <a:rPr lang="zh-CN" altLang="en-US" dirty="0" smtClean="0"/>
+              <a:t>高层模块不应该依赖于低层模块，两者都应该依赖于抽象。</a:t>
+            </a:r>
+            <a:endParaRPr lang="zh-CN" altLang="en-US" dirty="0"/>
           </a:p>
         </p:txBody>
       </p:sp>
@@ -3555,7 +4145,27 @@
           <a:p>
             <a:r>
               <a:rPr lang="zh-CN" altLang="en-US" dirty="0" smtClean="0"/>
-              <a:t>四、里氏替换原则</a:t>
+              <a:t>四、里氏替换</a:t>
+            </a:r>
+            <a:r>
+              <a:rPr lang="zh-CN" altLang="en-US" dirty="0" smtClean="0"/>
+              <a:t>原则</a:t>
+            </a:r>
+            <a:r>
+              <a:rPr lang="en-US" altLang="zh-CN" dirty="0" smtClean="0"/>
+              <a:t>LSP</a:t>
+            </a:r>
+            <a:r>
+              <a:rPr lang="zh-CN" altLang="en-US" dirty="0" smtClean="0"/>
+              <a:t>（实现</a:t>
+            </a:r>
+            <a:r>
+              <a:rPr lang="en-US" altLang="zh-CN" dirty="0" smtClean="0"/>
+              <a:t>DIP</a:t>
+            </a:r>
+            <a:r>
+              <a:rPr lang="zh-CN" altLang="en-US" dirty="0" smtClean="0"/>
+              <a:t>的基础）</a:t>
             </a:r>
             <a:endParaRPr lang="zh-CN" altLang="en-US" dirty="0"/>
           </a:p>
@@ -4166,16 +4776,28 @@
           <a:lstStyle/>
           <a:p>
             <a:r>
-              <a:rPr lang="zh-CN" altLang="en-US" dirty="0" smtClean="0"/>
-              <a:t>五、装饰</a:t>
-            </a:r>
-            <a:r>
-              <a:rPr lang="zh-CN" altLang="en-US" dirty="0" smtClean="0"/>
-              <a:t>模式</a:t>
-            </a:r>
-            <a:r>
-              <a:rPr lang="en-US" altLang="zh-CN" dirty="0"/>
-              <a:t>Decorator</a:t>
+              <a:rPr lang="zh-CN" altLang="en-US" dirty="0"/>
+              <a:t>五</a:t>
+            </a:r>
+            <a:r>
+              <a:rPr lang="zh-CN" altLang="en-US" dirty="0" smtClean="0"/>
+              <a:t>、接口隔离原则</a:t>
+            </a:r>
+            <a:r>
+              <a:rPr lang="en-US" altLang="zh-CN" dirty="0" smtClean="0"/>
+              <a:t>ISP</a:t>
+            </a:r>
+            <a:r>
+              <a:rPr lang="zh-CN" altLang="en-US" dirty="0" smtClean="0"/>
+              <a:t>（实现</a:t>
+            </a:r>
+            <a:r>
+              <a:rPr lang="en-US" altLang="zh-CN" dirty="0" smtClean="0"/>
+              <a:t>OCP</a:t>
+            </a:r>
+            <a:r>
+              <a:rPr lang="zh-CN" altLang="en-US" dirty="0" smtClean="0"/>
+              <a:t>的保障）</a:t>
             </a:r>
             <a:endParaRPr lang="zh-CN" altLang="en-US" dirty="0"/>
           </a:p>
@@ -4200,48 +4822,45 @@
               <a:buNone/>
             </a:pPr>
             <a:r>
-              <a:rPr lang="en-US" altLang="zh-CN" dirty="0" err="1"/>
-              <a:t>OutputStream</a:t>
-            </a:r>
-            <a:r>
-              <a:rPr lang="en-US" altLang="zh-CN" dirty="0"/>
-              <a:t> out = new </a:t>
-            </a:r>
-            <a:r>
-              <a:rPr lang="en-US" altLang="zh-CN" dirty="0" err="1"/>
-              <a:t>DataOutputStream</a:t>
-            </a:r>
-            <a:r>
-              <a:rPr lang="zh-CN" altLang="en-US" dirty="0"/>
-              <a:t>（ </a:t>
-            </a:r>
-            <a:r>
-              <a:rPr lang="en-US" altLang="zh-CN" dirty="0"/>
-              <a:t>new </a:t>
-            </a:r>
-            <a:r>
-              <a:rPr lang="en-US" altLang="zh-CN" dirty="0" err="1"/>
-              <a:t>FileOutputStream</a:t>
-            </a:r>
-            <a:r>
-              <a:rPr lang="zh-CN" altLang="en-US" dirty="0"/>
-              <a:t>（ </a:t>
-            </a:r>
-            <a:r>
-              <a:rPr lang="en-US" altLang="zh-CN" dirty="0"/>
-              <a:t>"test.txt"</a:t>
-            </a:r>
-            <a:r>
-              <a:rPr lang="zh-CN" altLang="en-US" dirty="0"/>
-              <a:t>） ）</a:t>
-            </a:r>
+              <a:rPr lang="zh-CN" altLang="en-US" dirty="0" smtClean="0"/>
+              <a:t>使用多个专门的接口，而不是用单一的总接口，即客户端不应该依赖那些它不需要的接口。</a:t>
+            </a:r>
+            <a:endParaRPr lang="en-US" altLang="zh-CN" dirty="0" smtClean="0"/>
+          </a:p>
+          <a:p>
+            <a:pPr marL="0" indent="0">
+              <a:buNone/>
+            </a:pPr>
+            <a:endParaRPr lang="en-US" altLang="zh-CN" dirty="0"/>
+          </a:p>
+          <a:p>
+            <a:pPr marL="0" indent="0">
+              <a:buNone/>
+            </a:pPr>
+            <a:r>
+              <a:rPr lang="zh-CN" altLang="en-US" dirty="0" smtClean="0"/>
+              <a:t>小而美，非大而全</a:t>
+            </a:r>
+            <a:endParaRPr lang="en-US" altLang="zh-CN" dirty="0" smtClean="0"/>
+          </a:p>
+          <a:p>
+            <a:pPr marL="0" indent="0">
+              <a:buNone/>
+            </a:pPr>
+            <a:endParaRPr lang="en-US" altLang="zh-CN" dirty="0"/>
+          </a:p>
+          <a:p>
+            <a:pPr marL="0" indent="0">
+              <a:buNone/>
+            </a:pPr>
+            <a:endParaRPr lang="zh-CN" altLang="en-US" dirty="0"/>
           </a:p>
         </p:txBody>
       </p:sp>
     </p:spTree>
     <p:extLst>
       <p:ext uri="{BB962C8B-B14F-4D97-AF65-F5344CB8AC3E}">
-        <p14:creationId xmlns:p14="http://schemas.microsoft.com/office/powerpoint/2010/main" val="706216871"/>
+        <p14:creationId xmlns:p14="http://schemas.microsoft.com/office/powerpoint/2010/main" val="3056952745"/>
       </p:ext>
     </p:extLst>
   </p:cSld>
@@ -4292,31 +4911,193 @@
           <a:p>
             <a:r>
               <a:rPr lang="zh-CN" altLang="en-US" dirty="0" smtClean="0"/>
-              <a:t>六、代理模式</a:t>
+              <a:t>示例代码重构后</a:t>
+            </a:r>
+            <a:endParaRPr lang="zh-CN" altLang="en-US" dirty="0"/>
+          </a:p>
+        </p:txBody>
+      </p:sp>
+      <p:sp>
+        <p:nvSpPr>
+          <p:cNvPr id="5" name="内容占位符 4"/>
+          <p:cNvSpPr>
+            <a:spLocks noGrp="1"/>
+          </p:cNvSpPr>
+          <p:nvPr>
+            <p:ph idx="1"/>
+          </p:nvPr>
+        </p:nvSpPr>
+        <p:spPr/>
+        <p:txBody>
+          <a:bodyPr>
+            <a:normAutofit fontScale="92500"/>
+          </a:bodyPr>
+          <a:lstStyle/>
+          <a:p>
+            <a:pPr marL="0" indent="0">
+              <a:buNone/>
+            </a:pPr>
+            <a:r>
+              <a:rPr lang="en-US" altLang="zh-CN" dirty="0" smtClean="0"/>
+              <a:t>1</a:t>
+            </a:r>
+            <a:r>
+              <a:rPr lang="zh-CN" altLang="en-US" dirty="0" smtClean="0"/>
+              <a:t>、接口职责更单一，调用目标更清晰，每个接口专做一件事，符合</a:t>
+            </a:r>
+            <a:r>
+              <a:rPr lang="en-US" altLang="zh-CN" dirty="0" smtClean="0">
+                <a:solidFill>
+                  <a:srgbClr val="FF0000"/>
+                </a:solidFill>
+              </a:rPr>
+              <a:t>SRP</a:t>
+            </a:r>
+          </a:p>
+          <a:p>
+            <a:pPr marL="0" indent="0">
+              <a:buNone/>
+            </a:pPr>
+            <a:r>
+              <a:rPr lang="en-US" altLang="zh-CN" dirty="0" smtClean="0"/>
+              <a:t>2</a:t>
             </a:r>
             <a:r>
               <a:rPr lang="en-US" altLang="zh-CN" dirty="0"/>
-              <a:t>Proxy</a:t>
+              <a:t>. </a:t>
+            </a:r>
+            <a:r>
+              <a:rPr lang="zh-CN" altLang="en-US" dirty="0"/>
+              <a:t>在操作数据库的时候不会在</a:t>
+            </a:r>
+            <a:r>
+              <a:rPr lang="en-US" altLang="zh-CN" dirty="0" err="1"/>
+              <a:t>IDatabase</a:t>
+            </a:r>
+            <a:r>
+              <a:rPr lang="zh-CN" altLang="en-US" dirty="0"/>
+              <a:t>接口中调到其它的第三方</a:t>
+            </a:r>
+            <a:r>
+              <a:rPr lang="en-US" altLang="zh-CN" dirty="0"/>
+              <a:t>API</a:t>
+            </a:r>
+            <a:r>
+              <a:rPr lang="zh-CN" altLang="en-US" dirty="0"/>
+              <a:t>调用和第三方登录认证相关的方法，每一个几口更专注了。符合</a:t>
+            </a:r>
+            <a:r>
+              <a:rPr lang="en-US" altLang="zh-CN" dirty="0" smtClean="0">
+                <a:solidFill>
+                  <a:srgbClr val="FF0000"/>
+                </a:solidFill>
+              </a:rPr>
+              <a:t>ISP</a:t>
+            </a:r>
+            <a:r>
+              <a:rPr lang="zh-CN" altLang="en-US" dirty="0" smtClean="0"/>
+              <a:t>。</a:t>
             </a:r>
             <a:endParaRPr lang="zh-CN" altLang="en-US" dirty="0"/>
           </a:p>
-        </p:txBody>
-      </p:sp>
-      <p:sp>
-        <p:nvSpPr>
-          <p:cNvPr id="3" name="内容占位符 2"/>
-          <p:cNvSpPr>
-            <a:spLocks noGrp="1"/>
-          </p:cNvSpPr>
-          <p:nvPr>
-            <p:ph idx="1"/>
-          </p:nvPr>
-        </p:nvSpPr>
-        <p:spPr/>
-        <p:txBody>
-          <a:bodyPr/>
-          <a:lstStyle/>
-          <a:p>
+          <a:p>
+            <a:pPr marL="0" indent="0">
+              <a:buNone/>
+            </a:pPr>
+            <a:r>
+              <a:rPr lang="en-US" altLang="zh-CN" dirty="0"/>
+              <a:t>3</a:t>
+            </a:r>
+            <a:r>
+              <a:rPr lang="en-US" altLang="zh-CN" dirty="0" smtClean="0"/>
+              <a:t>.</a:t>
+            </a:r>
+            <a:r>
+              <a:rPr lang="zh-CN" altLang="en-US" dirty="0" smtClean="0"/>
+              <a:t>添加</a:t>
+            </a:r>
+            <a:r>
+              <a:rPr lang="zh-CN" altLang="en-US" dirty="0"/>
+              <a:t>新的第三方登录的时候不需要在修改原来的</a:t>
+            </a:r>
+            <a:r>
+              <a:rPr lang="zh-CN" altLang="en-US" dirty="0" smtClean="0"/>
+              <a:t>实现类，</a:t>
+            </a:r>
+            <a:r>
+              <a:rPr lang="zh-CN" altLang="en-US" dirty="0"/>
+              <a:t>核心业务逻辑只需要加一</a:t>
+            </a:r>
+            <a:r>
+              <a:rPr lang="zh-CN" altLang="en-US" dirty="0" smtClean="0"/>
+              <a:t>个扩展接口</a:t>
+            </a:r>
+            <a:r>
+              <a:rPr lang="zh-CN" altLang="en-US" dirty="0"/>
+              <a:t>和接口的实现类就可以了。</a:t>
+            </a:r>
+            <a:r>
+              <a:rPr lang="zh-CN" altLang="en-US" dirty="0" smtClean="0"/>
+              <a:t>符合</a:t>
+            </a:r>
+            <a:r>
+              <a:rPr lang="en-US" altLang="zh-CN" dirty="0" smtClean="0">
+                <a:solidFill>
+                  <a:srgbClr val="FF0000"/>
+                </a:solidFill>
+              </a:rPr>
+              <a:t>OCP</a:t>
+            </a:r>
+            <a:r>
+              <a:rPr lang="zh-CN" altLang="en-US" dirty="0" smtClean="0"/>
+              <a:t>。</a:t>
+            </a:r>
+            <a:endParaRPr lang="zh-CN" altLang="en-US" dirty="0"/>
+          </a:p>
+          <a:p>
+            <a:pPr marL="0" indent="0">
+              <a:buNone/>
+            </a:pPr>
+            <a:r>
+              <a:rPr lang="en-US" altLang="zh-CN" dirty="0"/>
+              <a:t>4. </a:t>
+            </a:r>
+            <a:r>
+              <a:rPr lang="zh-CN" altLang="en-US" dirty="0"/>
+              <a:t>提升了代码的稳定性，可维护性和可扩展性</a:t>
+            </a:r>
+            <a:r>
+              <a:rPr lang="zh-CN" altLang="en-US" dirty="0" smtClean="0"/>
+              <a:t>。</a:t>
+            </a:r>
+            <a:endParaRPr lang="en-US" altLang="zh-CN" dirty="0" smtClean="0"/>
+          </a:p>
+          <a:p>
+            <a:pPr marL="0" indent="0">
+              <a:buNone/>
+            </a:pPr>
+            <a:endParaRPr lang="en-US" altLang="zh-CN" dirty="0" smtClean="0"/>
+          </a:p>
+          <a:p>
+            <a:pPr marL="0" indent="0">
+              <a:buNone/>
+            </a:pPr>
+            <a:r>
+              <a:rPr lang="zh-CN" altLang="en-US" dirty="0" smtClean="0"/>
+              <a:t>反面极端：例如修改用户信息，将每一个用户属性的修改都分割为一个接口</a:t>
+            </a:r>
+            <a:endParaRPr lang="zh-CN" altLang="en-US" dirty="0"/>
+          </a:p>
+          <a:p>
+            <a:pPr marL="0" indent="0">
+              <a:buNone/>
+            </a:pPr>
+            <a:endParaRPr lang="en-US" altLang="zh-CN" dirty="0"/>
+          </a:p>
+          <a:p>
+            <a:pPr marL="0" indent="0">
+              <a:buNone/>
+            </a:pPr>
             <a:endParaRPr lang="zh-CN" altLang="en-US" dirty="0"/>
           </a:p>
         </p:txBody>
@@ -4324,13 +5105,20 @@
     </p:spTree>
     <p:extLst>
       <p:ext uri="{BB962C8B-B14F-4D97-AF65-F5344CB8AC3E}">
-        <p14:creationId xmlns:p14="http://schemas.microsoft.com/office/powerpoint/2010/main" val="428829898"/>
+        <p14:creationId xmlns:p14="http://schemas.microsoft.com/office/powerpoint/2010/main" val="3088197152"/>
       </p:ext>
     </p:extLst>
   </p:cSld>
   <p:clrMapOvr>
     <a:masterClrMapping/>
   </p:clrMapOvr>
+  <p:timing>
+    <p:tnLst>
+      <p:par>
+        <p:cTn id="1" dur="indefinite" restart="never" nodeType="tmRoot"/>
+      </p:par>
+    </p:tnLst>
+  </p:timing>
 </p:sld>
 </file>
 
